--- a/기획ppt.pptx
+++ b/기획ppt.pptx
@@ -2,7 +2,7 @@
 <file path=ppt/presentation.xml><?xml version="1.0" encoding="utf-8"?>
 <p:presentation xmlns:r="http://schemas.openxmlformats.org/officeDocument/2006/relationships" xmlns:c="http://schemas.openxmlformats.org/drawingml/2006/chart" xmlns:a="http://schemas.openxmlformats.org/drawingml/2006/main" xmlns:dgm="http://schemas.openxmlformats.org/drawingml/2006/diagram" xmlns:dsp="http://schemas.microsoft.com/office/drawing/2008/diagram" xmlns:p="http://schemas.openxmlformats.org/presentationml/2006/main">
   <p:sldMasterIdLst>
-    <p:sldMasterId id="2147483733" r:id="rId1"/>
+    <p:sldMasterId id="2147483719" r:id="rId1"/>
   </p:sldMasterIdLst>
   <p:sldIdLst>
     <p:sldId id="257" r:id="rId2"/>
@@ -3295,7 +3295,7 @@
             </a:r>
             <a:r>
               <a:rPr lang="ko-KR" altLang="en-US"/>
-              <a:t> 상대의 공격 패턴 파훼 및 승리</a:t>
+              <a:t> 대결의 결과값으로 나오는 승리</a:t>
             </a:r>
             <a:endParaRPr lang="ko-KR" altLang="en-US"/>
           </a:p>
@@ -3306,7 +3306,7 @@
             </a:pPr>
             <a:r>
               <a:rPr lang="ko-KR" altLang="en-US"/>
-              <a:t>                      심리전 승리에서 때리는 내 공격</a:t>
+              <a:t>                      초단위로 발생하는 심리전에서 나오는 긴장감</a:t>
             </a:r>
             <a:endParaRPr lang="ko-KR" altLang="en-US"/>
           </a:p>

--- a/기획ppt.pptx
+++ b/기획ppt.pptx
@@ -2,15 +2,16 @@
 <file path=ppt/presentation.xml><?xml version="1.0" encoding="utf-8"?>
 <p:presentation xmlns:r="http://schemas.openxmlformats.org/officeDocument/2006/relationships" xmlns:c="http://schemas.openxmlformats.org/drawingml/2006/chart" xmlns:a="http://schemas.openxmlformats.org/drawingml/2006/main" xmlns:dgm="http://schemas.openxmlformats.org/drawingml/2006/diagram" xmlns:dsp="http://schemas.microsoft.com/office/drawing/2008/diagram" xmlns:p="http://schemas.openxmlformats.org/presentationml/2006/main">
   <p:sldMasterIdLst>
-    <p:sldMasterId id="2147483719" r:id="rId1"/>
+    <p:sldMasterId id="2147483718" r:id="rId1"/>
   </p:sldMasterIdLst>
   <p:sldIdLst>
-    <p:sldId id="257" r:id="rId2"/>
-    <p:sldId id="258" r:id="rId3"/>
-    <p:sldId id="259" r:id="rId4"/>
-    <p:sldId id="260" r:id="rId5"/>
-    <p:sldId id="261" r:id="rId6"/>
-    <p:sldId id="262" r:id="rId7"/>
+    <p:sldId id="263" r:id="rId2"/>
+    <p:sldId id="257" r:id="rId3"/>
+    <p:sldId id="258" r:id="rId4"/>
+    <p:sldId id="259" r:id="rId5"/>
+    <p:sldId id="260" r:id="rId6"/>
+    <p:sldId id="261" r:id="rId7"/>
+    <p:sldId id="262" r:id="rId8"/>
   </p:sldIdLst>
   <p:sldSz cx="12192000" cy="6858000"/>
   <p:notesSz cx="6858000" cy="9144000"/>
@@ -3200,7 +3201,12 @@
             <p:ph type="title" idx="0"/>
           </p:nvPr>
         </p:nvSpPr>
-        <p:spPr/>
+        <p:spPr>
+          <a:xfrm>
+            <a:off x="609600" y="1631950"/>
+            <a:ext cx="10972798" cy="1143000"/>
+          </a:xfrm>
+        </p:spPr>
         <p:txBody>
           <a:bodyPr/>
           <a:lstStyle/>
@@ -3209,8 +3215,12 @@
               <a:defRPr/>
             </a:pPr>
             <a:r>
+              <a:rPr lang="en-US" altLang="ko-KR"/>
+              <a:t>2D </a:t>
+            </a:r>
+            <a:r>
               <a:rPr lang="ko-KR" altLang="en-US"/>
-              <a:t>게임 컨셉</a:t>
+              <a:t>게임프로그래밍 프로젝트 발표</a:t>
             </a:r>
             <a:endParaRPr lang="ko-KR" altLang="en-US"/>
           </a:p>
@@ -3226,9 +3236,16 @@
             <p:ph idx="1"/>
           </p:nvPr>
         </p:nvSpPr>
-        <p:spPr/>
-        <p:txBody>
-          <a:bodyPr/>
+        <p:spPr>
+          <a:xfrm>
+            <a:off x="4330304" y="4886324"/>
+            <a:ext cx="3531392" cy="685403"/>
+          </a:xfrm>
+        </p:spPr>
+        <p:txBody>
+          <a:bodyPr>
+            <a:normAutofit fontScale="92500"/>
+          </a:bodyPr>
           <a:lstStyle/>
           <a:p>
             <a:pPr marL="0" indent="0">
@@ -3236,128 +3253,13 @@
               <a:defRPr/>
             </a:pPr>
             <a:r>
+              <a:rPr lang="en-US" altLang="ko-KR"/>
+              <a:t>2021180011</a:t>
+            </a:r>
+            <a:r>
               <a:rPr lang="ko-KR" altLang="en-US"/>
-              <a:t>게임 장르 </a:t>
-            </a:r>
-            <a:r>
-              <a:rPr lang="en-US" altLang="ko-KR"/>
-              <a:t>:</a:t>
-            </a:r>
-            <a:r>
-              <a:rPr lang="ko-KR" altLang="en-US"/>
-              <a:t> </a:t>
-            </a:r>
-            <a:r>
-              <a:rPr lang="en-US" altLang="ko-KR"/>
-              <a:t>2D </a:t>
-            </a:r>
-            <a:r>
-              <a:rPr lang="ko-KR" altLang="en-US"/>
-              <a:t>격투 게임</a:t>
-            </a:r>
-            <a:endParaRPr lang="ko-KR" altLang="en-US"/>
-          </a:p>
-          <a:p>
-            <a:pPr marL="0" indent="0">
-              <a:buNone/>
-              <a:defRPr/>
-            </a:pPr>
-            <a:r>
-              <a:rPr lang="ko-KR" altLang="en-US"/>
-              <a:t>모작 대상 </a:t>
-            </a:r>
-            <a:r>
-              <a:rPr lang="en-US" altLang="ko-KR"/>
-              <a:t>: </a:t>
-            </a:r>
-            <a:r>
-              <a:rPr lang="ko-KR" altLang="en-US"/>
-              <a:t>킹 오브 파이터즈 </a:t>
-            </a:r>
-            <a:r>
-              <a:rPr lang="en-US" altLang="ko-KR"/>
-              <a:t>98</a:t>
-            </a:r>
-            <a:endParaRPr lang="en-US" altLang="ko-KR"/>
-          </a:p>
-          <a:p>
-            <a:pPr marL="0" indent="0">
-              <a:buNone/>
-              <a:defRPr/>
-            </a:pPr>
-            <a:r>
-              <a:rPr lang="ko-KR" altLang="en-US"/>
-              <a:t>재미 요소 </a:t>
-            </a:r>
-            <a:r>
-              <a:rPr lang="en-US" altLang="ko-KR"/>
-              <a:t>:</a:t>
-            </a:r>
-            <a:r>
-              <a:rPr lang="ko-KR" altLang="en-US"/>
-              <a:t> 대결의 결과값으로 나오는 승리</a:t>
-            </a:r>
-            <a:endParaRPr lang="ko-KR" altLang="en-US"/>
-          </a:p>
-          <a:p>
-            <a:pPr marL="0" indent="0">
-              <a:buNone/>
-              <a:defRPr/>
-            </a:pPr>
-            <a:r>
-              <a:rPr lang="ko-KR" altLang="en-US"/>
-              <a:t>                      초단위로 발생하는 심리전에서 나오는 긴장감</a:t>
-            </a:r>
-            <a:endParaRPr lang="ko-KR" altLang="en-US"/>
-          </a:p>
-          <a:p>
-            <a:pPr marL="0" indent="0">
-              <a:buNone/>
-              <a:defRPr/>
-            </a:pPr>
-            <a:r>
-              <a:rPr lang="ko-KR" altLang="en-US"/>
-              <a:t>                      남탓 불가능한 순수 실력 대결</a:t>
-            </a:r>
-            <a:endParaRPr lang="ko-KR" altLang="en-US"/>
-          </a:p>
-          <a:p>
-            <a:pPr marL="0" indent="0">
-              <a:buNone/>
-              <a:defRPr/>
-            </a:pPr>
-            <a:r>
-              <a:rPr lang="ko-KR" altLang="en-US"/>
-              <a:t>              </a:t>
-            </a:r>
-            <a:endParaRPr lang="ko-KR" altLang="en-US"/>
-          </a:p>
-          <a:p>
-            <a:pPr marL="0" indent="0">
-              <a:buNone/>
-              <a:defRPr/>
-            </a:pPr>
-            <a:endParaRPr lang="en-US" altLang="ko-KR"/>
-          </a:p>
-          <a:p>
-            <a:pPr marL="0" indent="0">
-              <a:buNone/>
-              <a:defRPr/>
-            </a:pPr>
-            <a:endParaRPr lang="ko-KR" altLang="en-US"/>
-          </a:p>
-          <a:p>
-            <a:pPr marL="0" indent="0">
-              <a:buNone/>
-              <a:defRPr/>
-            </a:pPr>
-            <a:endParaRPr lang="ko-KR" altLang="en-US"/>
-          </a:p>
-          <a:p>
-            <a:pPr marL="0" indent="0">
-              <a:buNone/>
-              <a:defRPr/>
-            </a:pPr>
+              <a:t> 박준기</a:t>
+            </a:r>
             <a:endParaRPr lang="ko-KR" altLang="en-US"/>
           </a:p>
         </p:txBody>
@@ -3379,6 +3281,211 @@
 </file>
 
 <file path=ppt/slides/slide2.xml><?xml version="1.0" encoding="utf-8"?>
+<p:sld xmlns:r="http://schemas.openxmlformats.org/officeDocument/2006/relationships" xmlns:c="http://schemas.openxmlformats.org/drawingml/2006/chart" xmlns:a="http://schemas.openxmlformats.org/drawingml/2006/main" xmlns:dgm="http://schemas.openxmlformats.org/drawingml/2006/diagram" xmlns:dsp="http://schemas.microsoft.com/office/drawing/2008/diagram" xmlns:p="http://schemas.openxmlformats.org/presentationml/2006/main">
+  <p:cSld>
+    <p:spTree>
+      <p:nvGrpSpPr>
+        <p:cNvPr id="1" name=""/>
+        <p:cNvGrpSpPr/>
+        <p:nvPr/>
+      </p:nvGrpSpPr>
+      <p:grpSpPr>
+        <a:xfrm>
+          <a:off x="0" y="0"/>
+          <a:ext cx="0" cy="0"/>
+          <a:chOff x="0" y="0"/>
+          <a:chExt cx="0" cy="0"/>
+        </a:xfrm>
+      </p:grpSpPr>
+      <p:sp>
+        <p:nvSpPr>
+          <p:cNvPr id="2" name="제목 1"/>
+          <p:cNvSpPr>
+            <a:spLocks noGrp="1"/>
+          </p:cNvSpPr>
+          <p:nvPr>
+            <p:ph type="title" idx="0"/>
+          </p:nvPr>
+        </p:nvSpPr>
+        <p:spPr/>
+        <p:txBody>
+          <a:bodyPr/>
+          <a:lstStyle/>
+          <a:p>
+            <a:pPr>
+              <a:defRPr/>
+            </a:pPr>
+            <a:r>
+              <a:rPr lang="ko-KR" altLang="en-US"/>
+              <a:t>게임 컨셉</a:t>
+            </a:r>
+            <a:endParaRPr lang="ko-KR" altLang="en-US"/>
+          </a:p>
+        </p:txBody>
+      </p:sp>
+      <p:sp>
+        <p:nvSpPr>
+          <p:cNvPr id="3" name="내용 개체 틀 2"/>
+          <p:cNvSpPr>
+            <a:spLocks noGrp="1"/>
+          </p:cNvSpPr>
+          <p:nvPr>
+            <p:ph idx="1"/>
+          </p:nvPr>
+        </p:nvSpPr>
+        <p:spPr/>
+        <p:txBody>
+          <a:bodyPr/>
+          <a:lstStyle/>
+          <a:p>
+            <a:pPr marL="0" indent="0">
+              <a:buNone/>
+              <a:defRPr/>
+            </a:pPr>
+            <a:r>
+              <a:rPr lang="ko-KR" altLang="en-US"/>
+              <a:t>게임 장르 </a:t>
+            </a:r>
+            <a:r>
+              <a:rPr lang="en-US" altLang="ko-KR"/>
+              <a:t>:</a:t>
+            </a:r>
+            <a:r>
+              <a:rPr lang="ko-KR" altLang="en-US"/>
+              <a:t> </a:t>
+            </a:r>
+            <a:r>
+              <a:rPr lang="en-US" altLang="ko-KR"/>
+              <a:t>2D </a:t>
+            </a:r>
+            <a:r>
+              <a:rPr lang="ko-KR" altLang="en-US"/>
+              <a:t>격투 게임</a:t>
+            </a:r>
+            <a:endParaRPr lang="ko-KR" altLang="en-US"/>
+          </a:p>
+          <a:p>
+            <a:pPr marL="0" indent="0">
+              <a:buNone/>
+              <a:defRPr/>
+            </a:pPr>
+            <a:r>
+              <a:rPr lang="ko-KR" altLang="en-US"/>
+              <a:t>모작 대상 </a:t>
+            </a:r>
+            <a:r>
+              <a:rPr lang="en-US" altLang="ko-KR"/>
+              <a:t>: </a:t>
+            </a:r>
+            <a:r>
+              <a:rPr lang="ko-KR" altLang="en-US"/>
+              <a:t>킹 오브 파이터즈 </a:t>
+            </a:r>
+            <a:r>
+              <a:rPr lang="en-US" altLang="ko-KR"/>
+              <a:t>98</a:t>
+            </a:r>
+            <a:endParaRPr lang="en-US" altLang="ko-KR"/>
+          </a:p>
+          <a:p>
+            <a:pPr marL="0" indent="0">
+              <a:buNone/>
+              <a:defRPr/>
+            </a:pPr>
+            <a:r>
+              <a:rPr lang="ko-KR" altLang="en-US"/>
+              <a:t>재미 요소 </a:t>
+            </a:r>
+            <a:r>
+              <a:rPr lang="en-US" altLang="ko-KR"/>
+              <a:t>:</a:t>
+            </a:r>
+            <a:r>
+              <a:rPr lang="ko-KR" altLang="en-US"/>
+              <a:t> 대결의 결과값으로 나오는 승리</a:t>
+            </a:r>
+            <a:endParaRPr lang="ko-KR" altLang="en-US"/>
+          </a:p>
+          <a:p>
+            <a:pPr marL="0" indent="0">
+              <a:buNone/>
+              <a:defRPr/>
+            </a:pPr>
+            <a:r>
+              <a:rPr lang="ko-KR" altLang="en-US"/>
+              <a:t>                      초단위로 발생하는 심리전에서 나오는 긴장감</a:t>
+            </a:r>
+            <a:endParaRPr lang="ko-KR" altLang="en-US"/>
+          </a:p>
+          <a:p>
+            <a:pPr marL="0" indent="0">
+              <a:buNone/>
+              <a:defRPr/>
+            </a:pPr>
+            <a:r>
+              <a:rPr lang="ko-KR" altLang="en-US"/>
+              <a:t>                      남탓 불가능한 순수 실력 대결</a:t>
+            </a:r>
+            <a:endParaRPr lang="ko-KR" altLang="en-US"/>
+          </a:p>
+          <a:p>
+            <a:pPr marL="0" indent="0">
+              <a:buNone/>
+              <a:defRPr/>
+            </a:pPr>
+            <a:r>
+              <a:rPr lang="ko-KR" altLang="en-US"/>
+              <a:t>              </a:t>
+            </a:r>
+            <a:endParaRPr lang="ko-KR" altLang="en-US"/>
+          </a:p>
+          <a:p>
+            <a:pPr marL="0" indent="0">
+              <a:buNone/>
+              <a:defRPr/>
+            </a:pPr>
+            <a:endParaRPr lang="en-US" altLang="ko-KR"/>
+          </a:p>
+          <a:p>
+            <a:pPr marL="0" indent="0">
+              <a:buNone/>
+              <a:defRPr/>
+            </a:pPr>
+            <a:endParaRPr lang="ko-KR" altLang="en-US"/>
+          </a:p>
+          <a:p>
+            <a:pPr marL="0" indent="0">
+              <a:buNone/>
+              <a:defRPr/>
+            </a:pPr>
+            <a:endParaRPr lang="ko-KR" altLang="en-US"/>
+          </a:p>
+          <a:p>
+            <a:pPr marL="0" indent="0">
+              <a:buNone/>
+              <a:defRPr/>
+            </a:pPr>
+            <a:endParaRPr lang="ko-KR" altLang="en-US"/>
+          </a:p>
+        </p:txBody>
+      </p:sp>
+    </p:spTree>
+  </p:cSld>
+  <p:clrMapOvr>
+    <a:masterClrMapping/>
+  </p:clrMapOvr>
+  <mc:AlternateContent xmlns:mc="http://schemas.openxmlformats.org/markup-compatibility/2006">
+    <mc:Choice xmlns:p14="http://schemas.microsoft.com/office/powerpoint/2010/main" Requires="p14">
+      <p:transition xmlns:mc="http://schemas.openxmlformats.org/markup-compatibility/2006" xmlns:p14="http://schemas.microsoft.com/office/powerpoint/2010/main" mc:Ignorable="p14" p14:dur="500"/>
+    </mc:Choice>
+    <mc:Fallback>
+      <p:transition/>
+    </mc:Fallback>
+  </mc:AlternateContent>
+</p:sld>
+</file>
+
+<file path=ppt/slides/slide3.xml><?xml version="1.0" encoding="utf-8"?>
 <p:sld xmlns:r="http://schemas.openxmlformats.org/officeDocument/2006/relationships" xmlns:c="http://schemas.openxmlformats.org/drawingml/2006/chart" xmlns:a="http://schemas.openxmlformats.org/drawingml/2006/main" xmlns:dgm="http://schemas.openxmlformats.org/drawingml/2006/diagram" xmlns:dsp="http://schemas.microsoft.com/office/drawing/2008/diagram" xmlns:p="http://schemas.openxmlformats.org/presentationml/2006/main">
   <p:cSld>
     <p:spTree>
@@ -3549,7 +3656,7 @@
 </p:sld>
 </file>
 
-<file path=ppt/slides/slide3.xml><?xml version="1.0" encoding="utf-8"?>
+<file path=ppt/slides/slide4.xml><?xml version="1.0" encoding="utf-8"?>
 <p:sld xmlns:r="http://schemas.openxmlformats.org/officeDocument/2006/relationships" xmlns:c="http://schemas.openxmlformats.org/drawingml/2006/chart" xmlns:a="http://schemas.openxmlformats.org/drawingml/2006/main" xmlns:dgm="http://schemas.openxmlformats.org/drawingml/2006/diagram" xmlns:dsp="http://schemas.microsoft.com/office/drawing/2008/diagram" xmlns:p="http://schemas.openxmlformats.org/presentationml/2006/main">
   <p:cSld>
     <p:spTree>
@@ -3744,7 +3851,7 @@
 </p:sld>
 </file>
 
-<file path=ppt/slides/slide4.xml><?xml version="1.0" encoding="utf-8"?>
+<file path=ppt/slides/slide5.xml><?xml version="1.0" encoding="utf-8"?>
 <p:sld xmlns:r="http://schemas.openxmlformats.org/officeDocument/2006/relationships" xmlns:c="http://schemas.openxmlformats.org/drawingml/2006/chart" xmlns:a="http://schemas.openxmlformats.org/drawingml/2006/main" xmlns:dgm="http://schemas.openxmlformats.org/drawingml/2006/diagram" xmlns:dsp="http://schemas.microsoft.com/office/drawing/2008/diagram" xmlns:p="http://schemas.openxmlformats.org/presentationml/2006/main">
   <p:cSld>
     <p:spTree>
@@ -3913,7 +4020,7 @@
 </p:sld>
 </file>
 
-<file path=ppt/slides/slide5.xml><?xml version="1.0" encoding="utf-8"?>
+<file path=ppt/slides/slide6.xml><?xml version="1.0" encoding="utf-8"?>
 <p:sld xmlns:r="http://schemas.openxmlformats.org/officeDocument/2006/relationships" xmlns:c="http://schemas.openxmlformats.org/drawingml/2006/chart" xmlns:a="http://schemas.openxmlformats.org/drawingml/2006/main" xmlns:dgm="http://schemas.openxmlformats.org/drawingml/2006/diagram" xmlns:dsp="http://schemas.microsoft.com/office/drawing/2008/diagram" xmlns:p="http://schemas.openxmlformats.org/presentationml/2006/main">
   <p:cSld>
     <p:spTree>
@@ -4550,7 +4657,7 @@
 </p:sld>
 </file>
 
-<file path=ppt/slides/slide6.xml><?xml version="1.0" encoding="utf-8"?>
+<file path=ppt/slides/slide7.xml><?xml version="1.0" encoding="utf-8"?>
 <p:sld xmlns:r="http://schemas.openxmlformats.org/officeDocument/2006/relationships" xmlns:c="http://schemas.openxmlformats.org/drawingml/2006/chart" xmlns:a="http://schemas.openxmlformats.org/drawingml/2006/main" xmlns:dgm="http://schemas.openxmlformats.org/drawingml/2006/diagram" xmlns:dsp="http://schemas.microsoft.com/office/drawing/2008/diagram" xmlns:p="http://schemas.openxmlformats.org/presentationml/2006/main">
   <p:cSld>
     <p:spTree>
